--- a/Presentazione.pptx
+++ b/Presentazione.pptx
@@ -5,12 +5,14 @@
     <p:sldMasterId id="2147483660" r:id="rId1"/>
   </p:sldMasterIdLst>
   <p:notesMasterIdLst>
-    <p:notesMasterId r:id="rId5"/>
+    <p:notesMasterId r:id="rId7"/>
   </p:notesMasterIdLst>
   <p:sldIdLst>
     <p:sldId id="256" r:id="rId2"/>
     <p:sldId id="257" r:id="rId3"/>
-    <p:sldId id="258" r:id="rId4"/>
+    <p:sldId id="259" r:id="rId4"/>
+    <p:sldId id="260" r:id="rId5"/>
+    <p:sldId id="258" r:id="rId6"/>
   </p:sldIdLst>
   <p:sldSz cx="12192000" cy="6858000"/>
   <p:notesSz cx="6858000" cy="9144000"/>
@@ -109,6 +111,11 @@
       </a:defRPr>
     </a:lvl9pPr>
   </p:defaultTextStyle>
+  <p:extLst>
+    <p:ext uri="{EFAFB233-063F-42B5-8137-9DF3F51BA10A}">
+      <p15:sldGuideLst xmlns:p15="http://schemas.microsoft.com/office/powerpoint/2012/main"/>
+    </p:ext>
+  </p:extLst>
 </p:presentation>
 </file>
 
@@ -194,7 +201,7 @@
           <a:p>
             <a:fld id="{182EBE3A-6B6A-4E8F-92C0-A49AAD6B160D}" type="datetimeFigureOut">
               <a:rPr lang="it-IT" smtClean="0"/>
-              <a:t>30/11/2018</a:t>
+              <a:t>05/12/2018</a:t>
             </a:fld>
             <a:endParaRPr lang="it-IT"/>
           </a:p>
@@ -526,7 +533,7 @@
           <a:p>
             <a:fld id="{38DD5CA8-25A5-4CFE-92F2-72E1E5921446}" type="slidenum">
               <a:rPr lang="it-IT" smtClean="0"/>
-              <a:t>3</a:t>
+              <a:t>5</a:t>
             </a:fld>
             <a:endParaRPr lang="it-IT"/>
           </a:p>
@@ -733,7 +740,7 @@
           <a:p>
             <a:fld id="{97004707-C239-4627-94A5-02961C5984E6}" type="datetimeFigureOut">
               <a:rPr lang="it-IT" smtClean="0"/>
-              <a:t>30/11/2018</a:t>
+              <a:t>05/12/2018</a:t>
             </a:fld>
             <a:endParaRPr lang="it-IT"/>
           </a:p>
@@ -1071,7 +1078,7 @@
           <a:p>
             <a:fld id="{97004707-C239-4627-94A5-02961C5984E6}" type="datetimeFigureOut">
               <a:rPr lang="it-IT" smtClean="0"/>
-              <a:t>30/11/2018</a:t>
+              <a:t>05/12/2018</a:t>
             </a:fld>
             <a:endParaRPr lang="it-IT"/>
           </a:p>
@@ -1472,7 +1479,7 @@
           <a:p>
             <a:fld id="{97004707-C239-4627-94A5-02961C5984E6}" type="datetimeFigureOut">
               <a:rPr lang="it-IT" smtClean="0"/>
-              <a:t>30/11/2018</a:t>
+              <a:t>05/12/2018</a:t>
             </a:fld>
             <a:endParaRPr lang="it-IT"/>
           </a:p>
@@ -1808,7 +1815,7 @@
           <a:p>
             <a:fld id="{97004707-C239-4627-94A5-02961C5984E6}" type="datetimeFigureOut">
               <a:rPr lang="it-IT" smtClean="0"/>
-              <a:t>30/11/2018</a:t>
+              <a:t>05/12/2018</a:t>
             </a:fld>
             <a:endParaRPr lang="it-IT"/>
           </a:p>
@@ -2128,7 +2135,7 @@
           <a:p>
             <a:fld id="{97004707-C239-4627-94A5-02961C5984E6}" type="datetimeFigureOut">
               <a:rPr lang="it-IT" smtClean="0"/>
-              <a:t>30/11/2018</a:t>
+              <a:t>05/12/2018</a:t>
             </a:fld>
             <a:endParaRPr lang="it-IT"/>
           </a:p>
@@ -2524,7 +2531,7 @@
           <a:p>
             <a:fld id="{97004707-C239-4627-94A5-02961C5984E6}" type="datetimeFigureOut">
               <a:rPr lang="it-IT" smtClean="0"/>
-              <a:t>30/11/2018</a:t>
+              <a:t>05/12/2018</a:t>
             </a:fld>
             <a:endParaRPr lang="it-IT"/>
           </a:p>
@@ -2781,7 +2788,7 @@
           <a:p>
             <a:fld id="{97004707-C239-4627-94A5-02961C5984E6}" type="datetimeFigureOut">
               <a:rPr lang="it-IT" smtClean="0"/>
-              <a:t>30/11/2018</a:t>
+              <a:t>05/12/2018</a:t>
             </a:fld>
             <a:endParaRPr lang="it-IT"/>
           </a:p>
@@ -3043,7 +3050,7 @@
           <a:p>
             <a:fld id="{97004707-C239-4627-94A5-02961C5984E6}" type="datetimeFigureOut">
               <a:rPr lang="it-IT" smtClean="0"/>
-              <a:t>30/11/2018</a:t>
+              <a:t>05/12/2018</a:t>
             </a:fld>
             <a:endParaRPr lang="it-IT"/>
           </a:p>
@@ -3305,7 +3312,7 @@
           <a:p>
             <a:fld id="{97004707-C239-4627-94A5-02961C5984E6}" type="datetimeFigureOut">
               <a:rPr lang="it-IT" smtClean="0"/>
-              <a:t>30/11/2018</a:t>
+              <a:t>05/12/2018</a:t>
             </a:fld>
             <a:endParaRPr lang="it-IT"/>
           </a:p>
@@ -3634,7 +3641,7 @@
           <a:p>
             <a:fld id="{97004707-C239-4627-94A5-02961C5984E6}" type="datetimeFigureOut">
               <a:rPr lang="it-IT" smtClean="0"/>
-              <a:t>30/11/2018</a:t>
+              <a:t>05/12/2018</a:t>
             </a:fld>
             <a:endParaRPr lang="it-IT"/>
           </a:p>
@@ -3957,7 +3964,7 @@
           <a:p>
             <a:fld id="{97004707-C239-4627-94A5-02961C5984E6}" type="datetimeFigureOut">
               <a:rPr lang="it-IT" smtClean="0"/>
-              <a:t>30/11/2018</a:t>
+              <a:t>05/12/2018</a:t>
             </a:fld>
             <a:endParaRPr lang="it-IT"/>
           </a:p>
@@ -4414,7 +4421,7 @@
           <a:p>
             <a:fld id="{97004707-C239-4627-94A5-02961C5984E6}" type="datetimeFigureOut">
               <a:rPr lang="it-IT" smtClean="0"/>
-              <a:t>30/11/2018</a:t>
+              <a:t>05/12/2018</a:t>
             </a:fld>
             <a:endParaRPr lang="it-IT"/>
           </a:p>
@@ -4619,7 +4626,7 @@
           <a:p>
             <a:fld id="{97004707-C239-4627-94A5-02961C5984E6}" type="datetimeFigureOut">
               <a:rPr lang="it-IT" smtClean="0"/>
-              <a:t>30/11/2018</a:t>
+              <a:t>05/12/2018</a:t>
             </a:fld>
             <a:endParaRPr lang="it-IT"/>
           </a:p>
@@ -4796,7 +4803,7 @@
           <a:p>
             <a:fld id="{97004707-C239-4627-94A5-02961C5984E6}" type="datetimeFigureOut">
               <a:rPr lang="it-IT" smtClean="0"/>
-              <a:t>30/11/2018</a:t>
+              <a:t>05/12/2018</a:t>
             </a:fld>
             <a:endParaRPr lang="it-IT"/>
           </a:p>
@@ -5129,7 +5136,7 @@
           <a:p>
             <a:fld id="{97004707-C239-4627-94A5-02961C5984E6}" type="datetimeFigureOut">
               <a:rPr lang="it-IT" smtClean="0"/>
-              <a:t>30/11/2018</a:t>
+              <a:t>05/12/2018</a:t>
             </a:fld>
             <a:endParaRPr lang="it-IT"/>
           </a:p>
@@ -5474,7 +5481,7 @@
           <a:p>
             <a:fld id="{97004707-C239-4627-94A5-02961C5984E6}" type="datetimeFigureOut">
               <a:rPr lang="it-IT" smtClean="0"/>
-              <a:t>30/11/2018</a:t>
+              <a:t>05/12/2018</a:t>
             </a:fld>
             <a:endParaRPr lang="it-IT"/>
           </a:p>
@@ -7591,7 +7598,7 @@
           <a:p>
             <a:fld id="{97004707-C239-4627-94A5-02961C5984E6}" type="datetimeFigureOut">
               <a:rPr lang="it-IT" smtClean="0"/>
-              <a:t>30/11/2018</a:t>
+              <a:t>05/12/2018</a:t>
             </a:fld>
             <a:endParaRPr lang="it-IT"/>
           </a:p>
@@ -8311,6 +8318,559 @@
 </file>
 
 <file path=ppt/slides/slide3.xml><?xml version="1.0" encoding="utf-8"?>
+<p:sld xmlns:a="http://schemas.openxmlformats.org/drawingml/2006/main" xmlns:r="http://schemas.openxmlformats.org/officeDocument/2006/relationships" xmlns:p="http://schemas.openxmlformats.org/presentationml/2006/main">
+  <p:cSld>
+    <p:spTree>
+      <p:nvGrpSpPr>
+        <p:cNvPr id="1" name=""/>
+        <p:cNvGrpSpPr/>
+        <p:nvPr/>
+      </p:nvGrpSpPr>
+      <p:grpSpPr>
+        <a:xfrm>
+          <a:off x="0" y="0"/>
+          <a:ext cx="0" cy="0"/>
+          <a:chOff x="0" y="0"/>
+          <a:chExt cx="0" cy="0"/>
+        </a:xfrm>
+      </p:grpSpPr>
+      <p:sp>
+        <p:nvSpPr>
+          <p:cNvPr id="2" name="Titolo 1">
+            <a:extLst>
+              <a:ext uri="{FF2B5EF4-FFF2-40B4-BE49-F238E27FC236}">
+                <a16:creationId xmlns:a16="http://schemas.microsoft.com/office/drawing/2014/main" id="{0714FA3F-9FEF-4482-A136-EE23E95BF4C4}"/>
+              </a:ext>
+            </a:extLst>
+          </p:cNvPr>
+          <p:cNvSpPr>
+            <a:spLocks noGrp="1"/>
+          </p:cNvSpPr>
+          <p:nvPr>
+            <p:ph type="title"/>
+          </p:nvPr>
+        </p:nvSpPr>
+        <p:spPr>
+          <a:xfrm>
+            <a:off x="2328975" y="652390"/>
+            <a:ext cx="2865195" cy="629655"/>
+          </a:xfrm>
+        </p:spPr>
+        <p:txBody>
+          <a:bodyPr>
+            <a:normAutofit fontScale="90000"/>
+          </a:bodyPr>
+          <a:lstStyle/>
+          <a:p>
+            <a:r>
+              <a:rPr lang="it-IT" dirty="0"/>
+              <a:t>Relè ETH002</a:t>
+            </a:r>
+          </a:p>
+        </p:txBody>
+      </p:sp>
+      <p:pic>
+        <p:nvPicPr>
+          <p:cNvPr id="5" name="Immagine 4">
+            <a:extLst>
+              <a:ext uri="{FF2B5EF4-FFF2-40B4-BE49-F238E27FC236}">
+                <a16:creationId xmlns:a16="http://schemas.microsoft.com/office/drawing/2014/main" id="{43C32D56-21F4-4278-9E7E-212A50C56E05}"/>
+              </a:ext>
+            </a:extLst>
+          </p:cNvPr>
+          <p:cNvPicPr>
+            <a:picLocks noChangeAspect="1"/>
+          </p:cNvPicPr>
+          <p:nvPr/>
+        </p:nvPicPr>
+        <p:blipFill>
+          <a:blip r:embed="rId2">
+            <a:extLst>
+              <a:ext uri="{28A0092B-C50C-407E-A947-70E740481C1C}">
+                <a14:useLocalDpi xmlns:a14="http://schemas.microsoft.com/office/drawing/2010/main" val="0"/>
+              </a:ext>
+            </a:extLst>
+          </a:blip>
+          <a:stretch>
+            <a:fillRect/>
+          </a:stretch>
+        </p:blipFill>
+        <p:spPr>
+          <a:xfrm>
+            <a:off x="2328975" y="2175972"/>
+            <a:ext cx="4103606" cy="2725967"/>
+          </a:xfrm>
+          <a:prstGeom prst="rect">
+            <a:avLst/>
+          </a:prstGeom>
+        </p:spPr>
+      </p:pic>
+      <p:sp>
+        <p:nvSpPr>
+          <p:cNvPr id="6" name="CasellaDiTesto 5">
+            <a:extLst>
+              <a:ext uri="{FF2B5EF4-FFF2-40B4-BE49-F238E27FC236}">
+                <a16:creationId xmlns:a16="http://schemas.microsoft.com/office/drawing/2014/main" id="{513F420C-68C4-4498-81AD-B9EA4AF81356}"/>
+              </a:ext>
+            </a:extLst>
+          </p:cNvPr>
+          <p:cNvSpPr txBox="1"/>
+          <p:nvPr/>
+        </p:nvSpPr>
+        <p:spPr>
+          <a:xfrm>
+            <a:off x="7513162" y="2175972"/>
+            <a:ext cx="2875176" cy="2308324"/>
+          </a:xfrm>
+          <a:prstGeom prst="rect">
+            <a:avLst/>
+          </a:prstGeom>
+          <a:noFill/>
+        </p:spPr>
+        <p:txBody>
+          <a:bodyPr wrap="square" rtlCol="0">
+            <a:spAutoFit/>
+          </a:bodyPr>
+          <a:lstStyle/>
+          <a:p>
+            <a:r>
+              <a:rPr lang="it-IT" dirty="0"/>
+              <a:t>E composto	da 2 uscite relè	che possono arrivare ad una corrente nominale fino a 16 ampere, un’entrata RJ45 Ethernet ed un micro processore.</a:t>
+            </a:r>
+          </a:p>
+        </p:txBody>
+      </p:sp>
+    </p:spTree>
+    <p:extLst>
+      <p:ext uri="{BB962C8B-B14F-4D97-AF65-F5344CB8AC3E}">
+        <p14:creationId xmlns:p14="http://schemas.microsoft.com/office/powerpoint/2010/main" val="2903286412"/>
+      </p:ext>
+    </p:extLst>
+  </p:cSld>
+  <p:clrMapOvr>
+    <a:masterClrMapping/>
+  </p:clrMapOvr>
+</p:sld>
+</file>
+
+<file path=ppt/slides/slide4.xml><?xml version="1.0" encoding="utf-8"?>
+<p:sld xmlns:a="http://schemas.openxmlformats.org/drawingml/2006/main" xmlns:r="http://schemas.openxmlformats.org/officeDocument/2006/relationships" xmlns:p="http://schemas.openxmlformats.org/presentationml/2006/main">
+  <p:cSld>
+    <p:spTree>
+      <p:nvGrpSpPr>
+        <p:cNvPr id="1" name=""/>
+        <p:cNvGrpSpPr/>
+        <p:nvPr/>
+      </p:nvGrpSpPr>
+      <p:grpSpPr>
+        <a:xfrm>
+          <a:off x="0" y="0"/>
+          <a:ext cx="0" cy="0"/>
+          <a:chOff x="0" y="0"/>
+          <a:chExt cx="0" cy="0"/>
+        </a:xfrm>
+      </p:grpSpPr>
+      <p:sp>
+        <p:nvSpPr>
+          <p:cNvPr id="2" name="Titolo 1">
+            <a:extLst>
+              <a:ext uri="{FF2B5EF4-FFF2-40B4-BE49-F238E27FC236}">
+                <a16:creationId xmlns:a16="http://schemas.microsoft.com/office/drawing/2014/main" id="{CCEE489C-4878-4C53-8D57-189E062B862C}"/>
+              </a:ext>
+            </a:extLst>
+          </p:cNvPr>
+          <p:cNvSpPr>
+            <a:spLocks noGrp="1"/>
+          </p:cNvSpPr>
+          <p:nvPr>
+            <p:ph type="title"/>
+          </p:nvPr>
+        </p:nvSpPr>
+        <p:spPr>
+          <a:xfrm>
+            <a:off x="2592925" y="624110"/>
+            <a:ext cx="9350836" cy="1393226"/>
+          </a:xfrm>
+        </p:spPr>
+        <p:txBody>
+          <a:bodyPr>
+            <a:normAutofit fontScale="90000"/>
+          </a:bodyPr>
+          <a:lstStyle/>
+          <a:p>
+            <a:r>
+              <a:rPr lang="it-IT" dirty="0"/>
+              <a:t>I comandi utilizzabili sono mandati alla porta configurata 17494 tramite protocollo TCP/IP</a:t>
+            </a:r>
+          </a:p>
+        </p:txBody>
+      </p:sp>
+      <p:graphicFrame>
+        <p:nvGraphicFramePr>
+          <p:cNvPr id="4" name="Tabella 3">
+            <a:extLst>
+              <a:ext uri="{FF2B5EF4-FFF2-40B4-BE49-F238E27FC236}">
+                <a16:creationId xmlns:a16="http://schemas.microsoft.com/office/drawing/2014/main" id="{6ED96778-62E9-4F77-92FC-8D4540D20D5D}"/>
+              </a:ext>
+            </a:extLst>
+          </p:cNvPr>
+          <p:cNvGraphicFramePr>
+            <a:graphicFrameLocks noGrp="1"/>
+          </p:cNvGraphicFramePr>
+          <p:nvPr>
+            <p:extLst>
+              <p:ext uri="{D42A27DB-BD31-4B8C-83A1-F6EECF244321}">
+                <p14:modId xmlns:p14="http://schemas.microsoft.com/office/powerpoint/2010/main" val="3256754967"/>
+              </p:ext>
+            </p:extLst>
+          </p:nvPr>
+        </p:nvGraphicFramePr>
+        <p:xfrm>
+          <a:off x="2592925" y="2846895"/>
+          <a:ext cx="8127999" cy="2214880"/>
+        </p:xfrm>
+        <a:graphic>
+          <a:graphicData uri="http://schemas.openxmlformats.org/drawingml/2006/table">
+            <a:tbl>
+              <a:tblPr firstRow="1" bandRow="1">
+                <a:tableStyleId>{5C22544A-7EE6-4342-B048-85BDC9FD1C3A}</a:tableStyleId>
+              </a:tblPr>
+              <a:tblGrid>
+                <a:gridCol w="1130663">
+                  <a:extLst>
+                    <a:ext uri="{9D8B030D-6E8A-4147-A177-3AD203B41FA5}">
+                      <a16:colId xmlns:a16="http://schemas.microsoft.com/office/drawing/2014/main" val="1431268675"/>
+                    </a:ext>
+                  </a:extLst>
+                </a:gridCol>
+                <a:gridCol w="876692">
+                  <a:extLst>
+                    <a:ext uri="{9D8B030D-6E8A-4147-A177-3AD203B41FA5}">
+                      <a16:colId xmlns:a16="http://schemas.microsoft.com/office/drawing/2014/main" val="3903072131"/>
+                    </a:ext>
+                  </a:extLst>
+                </a:gridCol>
+                <a:gridCol w="6120644">
+                  <a:extLst>
+                    <a:ext uri="{9D8B030D-6E8A-4147-A177-3AD203B41FA5}">
+                      <a16:colId xmlns:a16="http://schemas.microsoft.com/office/drawing/2014/main" val="3465846460"/>
+                    </a:ext>
+                  </a:extLst>
+                </a:gridCol>
+              </a:tblGrid>
+              <a:tr h="270374">
+                <a:tc>
+                  <a:txBody>
+                    <a:bodyPr/>
+                    <a:lstStyle/>
+                    <a:p>
+                      <a:r>
+                        <a:rPr lang="it-IT" dirty="0" err="1"/>
+                        <a:t>Dec</a:t>
+                      </a:r>
+                      <a:endParaRPr lang="it-IT" dirty="0"/>
+                    </a:p>
+                  </a:txBody>
+                  <a:tcPr/>
+                </a:tc>
+                <a:tc>
+                  <a:txBody>
+                    <a:bodyPr/>
+                    <a:lstStyle/>
+                    <a:p>
+                      <a:r>
+                        <a:rPr lang="it-IT" dirty="0" err="1"/>
+                        <a:t>Hex</a:t>
+                      </a:r>
+                      <a:endParaRPr lang="it-IT" dirty="0"/>
+                    </a:p>
+                  </a:txBody>
+                  <a:tcPr/>
+                </a:tc>
+                <a:tc>
+                  <a:txBody>
+                    <a:bodyPr/>
+                    <a:lstStyle/>
+                    <a:p>
+                      <a:r>
+                        <a:rPr lang="it-IT" dirty="0"/>
+                        <a:t>Azioni</a:t>
+                      </a:r>
+                    </a:p>
+                  </a:txBody>
+                  <a:tcPr/>
+                </a:tc>
+                <a:extLst>
+                  <a:ext uri="{0D108BD9-81ED-4DB2-BD59-A6C34878D82A}">
+                    <a16:rowId xmlns:a16="http://schemas.microsoft.com/office/drawing/2014/main" val="4255450283"/>
+                  </a:ext>
+                </a:extLst>
+              </a:tr>
+              <a:tr h="270374">
+                <a:tc>
+                  <a:txBody>
+                    <a:bodyPr/>
+                    <a:lstStyle/>
+                    <a:p>
+                      <a:r>
+                        <a:rPr lang="it-IT" dirty="0"/>
+                        <a:t>01</a:t>
+                      </a:r>
+                    </a:p>
+                  </a:txBody>
+                  <a:tcPr/>
+                </a:tc>
+                <a:tc>
+                  <a:txBody>
+                    <a:bodyPr/>
+                    <a:lstStyle/>
+                    <a:p>
+                      <a:r>
+                        <a:rPr lang="it-IT" dirty="0"/>
+                        <a:t>0x01</a:t>
+                      </a:r>
+                    </a:p>
+                  </a:txBody>
+                  <a:tcPr/>
+                </a:tc>
+                <a:tc>
+                  <a:txBody>
+                    <a:bodyPr/>
+                    <a:lstStyle/>
+                    <a:p>
+                      <a:r>
+                        <a:rPr lang="it-IT" dirty="0"/>
+                        <a:t>Porta 1 del relè</a:t>
+                      </a:r>
+                    </a:p>
+                  </a:txBody>
+                  <a:tcPr/>
+                </a:tc>
+                <a:extLst>
+                  <a:ext uri="{0D108BD9-81ED-4DB2-BD59-A6C34878D82A}">
+                    <a16:rowId xmlns:a16="http://schemas.microsoft.com/office/drawing/2014/main" val="4214805739"/>
+                  </a:ext>
+                </a:extLst>
+              </a:tr>
+              <a:tr h="370840">
+                <a:tc>
+                  <a:txBody>
+                    <a:bodyPr/>
+                    <a:lstStyle/>
+                    <a:p>
+                      <a:r>
+                        <a:rPr lang="it-IT" dirty="0"/>
+                        <a:t>32</a:t>
+                      </a:r>
+                    </a:p>
+                  </a:txBody>
+                  <a:tcPr/>
+                </a:tc>
+                <a:tc>
+                  <a:txBody>
+                    <a:bodyPr/>
+                    <a:lstStyle/>
+                    <a:p>
+                      <a:r>
+                        <a:rPr lang="it-IT" dirty="0"/>
+                        <a:t>0x20</a:t>
+                      </a:r>
+                    </a:p>
+                  </a:txBody>
+                  <a:tcPr/>
+                </a:tc>
+                <a:tc>
+                  <a:txBody>
+                    <a:bodyPr/>
+                    <a:lstStyle/>
+                    <a:p>
+                      <a:pPr marL="0" marR="0" lvl="0" indent="0" algn="l" defTabSz="457200" rtl="0" eaLnBrk="1" fontAlgn="auto" latinLnBrk="0" hangingPunct="1">
+                        <a:lnSpc>
+                          <a:spcPct val="100000"/>
+                        </a:lnSpc>
+                        <a:spcBef>
+                          <a:spcPts val="0"/>
+                        </a:spcBef>
+                        <a:spcAft>
+                          <a:spcPts val="0"/>
+                        </a:spcAft>
+                        <a:buClrTx/>
+                        <a:buSzTx/>
+                        <a:buFontTx/>
+                        <a:buNone/>
+                        <a:tabLst/>
+                        <a:defRPr/>
+                      </a:pPr>
+                      <a:r>
+                        <a:rPr lang="it-IT" dirty="0"/>
+                        <a:t>Accensione relè</a:t>
+                      </a:r>
+                    </a:p>
+                  </a:txBody>
+                  <a:tcPr/>
+                </a:tc>
+                <a:extLst>
+                  <a:ext uri="{0D108BD9-81ED-4DB2-BD59-A6C34878D82A}">
+                    <a16:rowId xmlns:a16="http://schemas.microsoft.com/office/drawing/2014/main" val="1467349748"/>
+                  </a:ext>
+                </a:extLst>
+              </a:tr>
+              <a:tr h="370840">
+                <a:tc>
+                  <a:txBody>
+                    <a:bodyPr/>
+                    <a:lstStyle/>
+                    <a:p>
+                      <a:r>
+                        <a:rPr lang="it-IT" dirty="0"/>
+                        <a:t>33</a:t>
+                      </a:r>
+                    </a:p>
+                  </a:txBody>
+                  <a:tcPr/>
+                </a:tc>
+                <a:tc>
+                  <a:txBody>
+                    <a:bodyPr/>
+                    <a:lstStyle/>
+                    <a:p>
+                      <a:r>
+                        <a:rPr lang="it-IT" dirty="0"/>
+                        <a:t>0x21</a:t>
+                      </a:r>
+                    </a:p>
+                  </a:txBody>
+                  <a:tcPr/>
+                </a:tc>
+                <a:tc>
+                  <a:txBody>
+                    <a:bodyPr/>
+                    <a:lstStyle/>
+                    <a:p>
+                      <a:r>
+                        <a:rPr lang="it-IT" dirty="0"/>
+                        <a:t>Spegnimento relè</a:t>
+                      </a:r>
+                    </a:p>
+                  </a:txBody>
+                  <a:tcPr/>
+                </a:tc>
+                <a:extLst>
+                  <a:ext uri="{0D108BD9-81ED-4DB2-BD59-A6C34878D82A}">
+                    <a16:rowId xmlns:a16="http://schemas.microsoft.com/office/drawing/2014/main" val="959760922"/>
+                  </a:ext>
+                </a:extLst>
+              </a:tr>
+              <a:tr h="370840">
+                <a:tc>
+                  <a:txBody>
+                    <a:bodyPr/>
+                    <a:lstStyle/>
+                    <a:p>
+                      <a:r>
+                        <a:rPr lang="it-IT" dirty="0"/>
+                        <a:t>36</a:t>
+                      </a:r>
+                    </a:p>
+                  </a:txBody>
+                  <a:tcPr/>
+                </a:tc>
+                <a:tc>
+                  <a:txBody>
+                    <a:bodyPr/>
+                    <a:lstStyle/>
+                    <a:p>
+                      <a:r>
+                        <a:rPr lang="it-IT" dirty="0"/>
+                        <a:t>0x24 </a:t>
+                      </a:r>
+                    </a:p>
+                  </a:txBody>
+                  <a:tcPr/>
+                </a:tc>
+                <a:tc>
+                  <a:txBody>
+                    <a:bodyPr/>
+                    <a:lstStyle/>
+                    <a:p>
+                      <a:r>
+                        <a:rPr lang="it-IT" dirty="0"/>
+                        <a:t>Output</a:t>
+                      </a:r>
+                    </a:p>
+                  </a:txBody>
+                  <a:tcPr/>
+                </a:tc>
+                <a:extLst>
+                  <a:ext uri="{0D108BD9-81ED-4DB2-BD59-A6C34878D82A}">
+                    <a16:rowId xmlns:a16="http://schemas.microsoft.com/office/drawing/2014/main" val="339009271"/>
+                  </a:ext>
+                </a:extLst>
+              </a:tr>
+              <a:tr h="370840">
+                <a:tc>
+                  <a:txBody>
+                    <a:bodyPr/>
+                    <a:lstStyle/>
+                    <a:p>
+                      <a:r>
+                        <a:rPr lang="it-IT" dirty="0"/>
+                        <a:t>123</a:t>
+                      </a:r>
+                    </a:p>
+                  </a:txBody>
+                  <a:tcPr/>
+                </a:tc>
+                <a:tc>
+                  <a:txBody>
+                    <a:bodyPr/>
+                    <a:lstStyle/>
+                    <a:p>
+                      <a:r>
+                        <a:rPr lang="it-IT" dirty="0"/>
+                        <a:t>0x7B</a:t>
+                      </a:r>
+                    </a:p>
+                  </a:txBody>
+                  <a:tcPr/>
+                </a:tc>
+                <a:tc>
+                  <a:txBody>
+                    <a:bodyPr/>
+                    <a:lstStyle/>
+                    <a:p>
+                      <a:r>
+                        <a:rPr lang="it-IT" dirty="0"/>
+                        <a:t>Log Out</a:t>
+                      </a:r>
+                    </a:p>
+                  </a:txBody>
+                  <a:tcPr/>
+                </a:tc>
+                <a:extLst>
+                  <a:ext uri="{0D108BD9-81ED-4DB2-BD59-A6C34878D82A}">
+                    <a16:rowId xmlns:a16="http://schemas.microsoft.com/office/drawing/2014/main" val="817770611"/>
+                  </a:ext>
+                </a:extLst>
+              </a:tr>
+            </a:tbl>
+          </a:graphicData>
+        </a:graphic>
+      </p:graphicFrame>
+    </p:spTree>
+    <p:extLst>
+      <p:ext uri="{BB962C8B-B14F-4D97-AF65-F5344CB8AC3E}">
+        <p14:creationId xmlns:p14="http://schemas.microsoft.com/office/powerpoint/2010/main" val="1759818947"/>
+      </p:ext>
+    </p:extLst>
+  </p:cSld>
+  <p:clrMapOvr>
+    <a:masterClrMapping/>
+  </p:clrMapOvr>
+</p:sld>
+</file>
+
+<file path=ppt/slides/slide5.xml><?xml version="1.0" encoding="utf-8"?>
 <p:sld xmlns:a="http://schemas.openxmlformats.org/drawingml/2006/main" xmlns:r="http://schemas.openxmlformats.org/officeDocument/2006/relationships" xmlns:p="http://schemas.openxmlformats.org/presentationml/2006/main">
   <p:cSld>
     <p:spTree>
